--- a/presentaciones/Modulo 1 Introducción a los Microservicios.pptx
+++ b/presentaciones/Modulo 1 Introducción a los Microservicios.pptx
@@ -205,7 +205,7 @@
           <a:p>
             <a:fld id="{7D91C550-1252-440A-B840-BBD31EDE96BC}" type="datetimeFigureOut">
               <a:rPr lang="es-PE" smtClean="0"/>
-              <a:t>20/04/2025</a:t>
+              <a:t>22/04/2025</a:t>
             </a:fld>
             <a:endParaRPr lang="es-PE"/>
           </a:p>
@@ -1034,7 +1034,7 @@
           <a:p>
             <a:fld id="{9947E4B7-F257-4C4C-887E-FAB8D4174B66}" type="datetimeFigureOut">
               <a:rPr lang="es-PE" smtClean="0"/>
-              <a:t>20/04/2025</a:t>
+              <a:t>22/04/2025</a:t>
             </a:fld>
             <a:endParaRPr lang="es-PE"/>
           </a:p>
@@ -1449,7 +1449,7 @@
           <a:p>
             <a:fld id="{9947E4B7-F257-4C4C-887E-FAB8D4174B66}" type="datetimeFigureOut">
               <a:rPr lang="es-PE" smtClean="0"/>
-              <a:t>20/04/2025</a:t>
+              <a:t>22/04/2025</a:t>
             </a:fld>
             <a:endParaRPr lang="es-PE"/>
           </a:p>
@@ -1659,7 +1659,7 @@
           <a:p>
             <a:fld id="{9947E4B7-F257-4C4C-887E-FAB8D4174B66}" type="datetimeFigureOut">
               <a:rPr lang="es-PE" smtClean="0"/>
-              <a:t>20/04/2025</a:t>
+              <a:t>22/04/2025</a:t>
             </a:fld>
             <a:endParaRPr lang="es-PE"/>
           </a:p>
@@ -1867,7 +1867,7 @@
           <a:p>
             <a:fld id="{9947E4B7-F257-4C4C-887E-FAB8D4174B66}" type="datetimeFigureOut">
               <a:rPr lang="es-PE" smtClean="0"/>
-              <a:t>20/04/2025</a:t>
+              <a:t>22/04/2025</a:t>
             </a:fld>
             <a:endParaRPr lang="es-PE"/>
           </a:p>
@@ -2358,7 +2358,7 @@
           <a:p>
             <a:fld id="{9947E4B7-F257-4C4C-887E-FAB8D4174B66}" type="datetimeFigureOut">
               <a:rPr lang="es-PE" smtClean="0"/>
-              <a:t>20/04/2025</a:t>
+              <a:t>22/04/2025</a:t>
             </a:fld>
             <a:endParaRPr lang="es-PE"/>
           </a:p>
@@ -2841,7 +2841,7 @@
           <a:p>
             <a:fld id="{9947E4B7-F257-4C4C-887E-FAB8D4174B66}" type="datetimeFigureOut">
               <a:rPr lang="es-PE" smtClean="0"/>
-              <a:t>20/04/2025</a:t>
+              <a:t>22/04/2025</a:t>
             </a:fld>
             <a:endParaRPr lang="es-PE"/>
           </a:p>
@@ -3256,7 +3256,7 @@
           <a:p>
             <a:fld id="{9947E4B7-F257-4C4C-887E-FAB8D4174B66}" type="datetimeFigureOut">
               <a:rPr lang="es-PE" smtClean="0"/>
-              <a:t>20/04/2025</a:t>
+              <a:t>22/04/2025</a:t>
             </a:fld>
             <a:endParaRPr lang="es-PE"/>
           </a:p>
@@ -3398,7 +3398,7 @@
           <a:p>
             <a:fld id="{9947E4B7-F257-4C4C-887E-FAB8D4174B66}" type="datetimeFigureOut">
               <a:rPr lang="es-PE" smtClean="0"/>
-              <a:t>20/04/2025</a:t>
+              <a:t>22/04/2025</a:t>
             </a:fld>
             <a:endParaRPr lang="es-PE"/>
           </a:p>
@@ -3511,7 +3511,7 @@
           <a:p>
             <a:fld id="{9947E4B7-F257-4C4C-887E-FAB8D4174B66}" type="datetimeFigureOut">
               <a:rPr lang="es-PE" smtClean="0"/>
-              <a:t>20/04/2025</a:t>
+              <a:t>22/04/2025</a:t>
             </a:fld>
             <a:endParaRPr lang="es-PE"/>
           </a:p>
@@ -3824,7 +3824,7 @@
           <a:p>
             <a:fld id="{9947E4B7-F257-4C4C-887E-FAB8D4174B66}" type="datetimeFigureOut">
               <a:rPr lang="es-PE" smtClean="0"/>
-              <a:t>20/04/2025</a:t>
+              <a:t>22/04/2025</a:t>
             </a:fld>
             <a:endParaRPr lang="es-PE"/>
           </a:p>
@@ -4117,7 +4117,7 @@
           <a:p>
             <a:fld id="{9947E4B7-F257-4C4C-887E-FAB8D4174B66}" type="datetimeFigureOut">
               <a:rPr lang="es-PE" smtClean="0"/>
-              <a:t>20/04/2025</a:t>
+              <a:t>22/04/2025</a:t>
             </a:fld>
             <a:endParaRPr lang="es-PE"/>
           </a:p>
@@ -4360,7 +4360,7 @@
           <a:p>
             <a:fld id="{9947E4B7-F257-4C4C-887E-FAB8D4174B66}" type="datetimeFigureOut">
               <a:rPr lang="es-PE" smtClean="0"/>
-              <a:t>20/04/2025</a:t>
+              <a:t>22/04/2025</a:t>
             </a:fld>
             <a:endParaRPr lang="es-PE"/>
           </a:p>
@@ -6818,7 +6818,7 @@
             </a:pPr>
             <a:r>
               <a:rPr lang="es-PE" dirty="0"/>
-              <a:t>¿Qué otro beneficio podrías anotas de la adopción de los microservicios?</a:t>
+              <a:t>¿Qué otro beneficio podrías anotar en la adopción de los microservicios?</a:t>
             </a:r>
           </a:p>
           <a:p>

--- a/presentaciones/Modulo 1 Introducción a los Microservicios.pptx
+++ b/presentaciones/Modulo 1 Introducción a los Microservicios.pptx
@@ -5,18 +5,19 @@
     <p:sldMasterId id="2147483648" r:id="rId1"/>
   </p:sldMasterIdLst>
   <p:notesMasterIdLst>
-    <p:notesMasterId r:id="rId11"/>
+    <p:notesMasterId r:id="rId12"/>
   </p:notesMasterIdLst>
   <p:sldIdLst>
     <p:sldId id="257" r:id="rId2"/>
-    <p:sldId id="271" r:id="rId3"/>
-    <p:sldId id="272" r:id="rId4"/>
-    <p:sldId id="274" r:id="rId5"/>
-    <p:sldId id="273" r:id="rId6"/>
-    <p:sldId id="276" r:id="rId7"/>
-    <p:sldId id="275" r:id="rId8"/>
-    <p:sldId id="277" r:id="rId9"/>
-    <p:sldId id="278" r:id="rId10"/>
+    <p:sldId id="309" r:id="rId3"/>
+    <p:sldId id="271" r:id="rId4"/>
+    <p:sldId id="272" r:id="rId5"/>
+    <p:sldId id="274" r:id="rId6"/>
+    <p:sldId id="273" r:id="rId7"/>
+    <p:sldId id="276" r:id="rId8"/>
+    <p:sldId id="275" r:id="rId9"/>
+    <p:sldId id="277" r:id="rId10"/>
+    <p:sldId id="278" r:id="rId11"/>
   </p:sldIdLst>
   <p:sldSz cx="12192000" cy="6858000"/>
   <p:notesSz cx="6858000" cy="9144000"/>
@@ -205,7 +206,7 @@
           <a:p>
             <a:fld id="{7D91C550-1252-440A-B840-BBD31EDE96BC}" type="datetimeFigureOut">
               <a:rPr lang="es-PE" smtClean="0"/>
-              <a:t>22/04/2025</a:t>
+              <a:t>23/04/2025</a:t>
             </a:fld>
             <a:endParaRPr lang="es-PE"/>
           </a:p>
@@ -770,7 +771,7 @@
           <a:p>
             <a:fld id="{37FEFC6F-1FC2-4B58-BAB6-651F0C975407}" type="slidenum">
               <a:rPr lang="es-PE" smtClean="0"/>
-              <a:t>4</a:t>
+              <a:t>5</a:t>
             </a:fld>
             <a:endParaRPr lang="es-PE"/>
           </a:p>
@@ -866,7 +867,7 @@
           <a:p>
             <a:fld id="{37FEFC6F-1FC2-4B58-BAB6-651F0C975407}" type="slidenum">
               <a:rPr lang="es-PE" smtClean="0"/>
-              <a:t>7</a:t>
+              <a:t>8</a:t>
             </a:fld>
             <a:endParaRPr lang="es-PE"/>
           </a:p>
@@ -1034,7 +1035,7 @@
           <a:p>
             <a:fld id="{9947E4B7-F257-4C4C-887E-FAB8D4174B66}" type="datetimeFigureOut">
               <a:rPr lang="es-PE" smtClean="0"/>
-              <a:t>22/04/2025</a:t>
+              <a:t>23/04/2025</a:t>
             </a:fld>
             <a:endParaRPr lang="es-PE"/>
           </a:p>
@@ -1449,7 +1450,7 @@
           <a:p>
             <a:fld id="{9947E4B7-F257-4C4C-887E-FAB8D4174B66}" type="datetimeFigureOut">
               <a:rPr lang="es-PE" smtClean="0"/>
-              <a:t>22/04/2025</a:t>
+              <a:t>23/04/2025</a:t>
             </a:fld>
             <a:endParaRPr lang="es-PE"/>
           </a:p>
@@ -1659,7 +1660,7 @@
           <a:p>
             <a:fld id="{9947E4B7-F257-4C4C-887E-FAB8D4174B66}" type="datetimeFigureOut">
               <a:rPr lang="es-PE" smtClean="0"/>
-              <a:t>22/04/2025</a:t>
+              <a:t>23/04/2025</a:t>
             </a:fld>
             <a:endParaRPr lang="es-PE"/>
           </a:p>
@@ -1867,7 +1868,7 @@
           <a:p>
             <a:fld id="{9947E4B7-F257-4C4C-887E-FAB8D4174B66}" type="datetimeFigureOut">
               <a:rPr lang="es-PE" smtClean="0"/>
-              <a:t>22/04/2025</a:t>
+              <a:t>23/04/2025</a:t>
             </a:fld>
             <a:endParaRPr lang="es-PE"/>
           </a:p>
@@ -2358,7 +2359,7 @@
           <a:p>
             <a:fld id="{9947E4B7-F257-4C4C-887E-FAB8D4174B66}" type="datetimeFigureOut">
               <a:rPr lang="es-PE" smtClean="0"/>
-              <a:t>22/04/2025</a:t>
+              <a:t>23/04/2025</a:t>
             </a:fld>
             <a:endParaRPr lang="es-PE"/>
           </a:p>
@@ -2841,7 +2842,7 @@
           <a:p>
             <a:fld id="{9947E4B7-F257-4C4C-887E-FAB8D4174B66}" type="datetimeFigureOut">
               <a:rPr lang="es-PE" smtClean="0"/>
-              <a:t>22/04/2025</a:t>
+              <a:t>23/04/2025</a:t>
             </a:fld>
             <a:endParaRPr lang="es-PE"/>
           </a:p>
@@ -3256,7 +3257,7 @@
           <a:p>
             <a:fld id="{9947E4B7-F257-4C4C-887E-FAB8D4174B66}" type="datetimeFigureOut">
               <a:rPr lang="es-PE" smtClean="0"/>
-              <a:t>22/04/2025</a:t>
+              <a:t>23/04/2025</a:t>
             </a:fld>
             <a:endParaRPr lang="es-PE"/>
           </a:p>
@@ -3398,7 +3399,7 @@
           <a:p>
             <a:fld id="{9947E4B7-F257-4C4C-887E-FAB8D4174B66}" type="datetimeFigureOut">
               <a:rPr lang="es-PE" smtClean="0"/>
-              <a:t>22/04/2025</a:t>
+              <a:t>23/04/2025</a:t>
             </a:fld>
             <a:endParaRPr lang="es-PE"/>
           </a:p>
@@ -3511,7 +3512,7 @@
           <a:p>
             <a:fld id="{9947E4B7-F257-4C4C-887E-FAB8D4174B66}" type="datetimeFigureOut">
               <a:rPr lang="es-PE" smtClean="0"/>
-              <a:t>22/04/2025</a:t>
+              <a:t>23/04/2025</a:t>
             </a:fld>
             <a:endParaRPr lang="es-PE"/>
           </a:p>
@@ -3824,7 +3825,7 @@
           <a:p>
             <a:fld id="{9947E4B7-F257-4C4C-887E-FAB8D4174B66}" type="datetimeFigureOut">
               <a:rPr lang="es-PE" smtClean="0"/>
-              <a:t>22/04/2025</a:t>
+              <a:t>23/04/2025</a:t>
             </a:fld>
             <a:endParaRPr lang="es-PE"/>
           </a:p>
@@ -4117,7 +4118,7 @@
           <a:p>
             <a:fld id="{9947E4B7-F257-4C4C-887E-FAB8D4174B66}" type="datetimeFigureOut">
               <a:rPr lang="es-PE" smtClean="0"/>
-              <a:t>22/04/2025</a:t>
+              <a:t>23/04/2025</a:t>
             </a:fld>
             <a:endParaRPr lang="es-PE"/>
           </a:p>
@@ -4360,7 +4361,7 @@
           <a:p>
             <a:fld id="{9947E4B7-F257-4C4C-887E-FAB8D4174B66}" type="datetimeFigureOut">
               <a:rPr lang="es-PE" smtClean="0"/>
-              <a:t>22/04/2025</a:t>
+              <a:t>23/04/2025</a:t>
             </a:fld>
             <a:endParaRPr lang="es-PE"/>
           </a:p>
@@ -5382,7 +5383,583 @@
 </p:sld>
 </file>
 
+<file path=ppt/slides/slide10.xml><?xml version="1.0" encoding="utf-8"?>
+<p:sld xmlns:a="http://schemas.openxmlformats.org/drawingml/2006/main" xmlns:r="http://schemas.openxmlformats.org/officeDocument/2006/relationships" xmlns:p="http://schemas.openxmlformats.org/presentationml/2006/main">
+  <p:cSld>
+    <p:spTree>
+      <p:nvGrpSpPr>
+        <p:cNvPr id="1" name=""/>
+        <p:cNvGrpSpPr/>
+        <p:nvPr/>
+      </p:nvGrpSpPr>
+      <p:grpSpPr>
+        <a:xfrm>
+          <a:off x="0" y="0"/>
+          <a:ext cx="0" cy="0"/>
+          <a:chOff x="0" y="0"/>
+          <a:chExt cx="0" cy="0"/>
+        </a:xfrm>
+      </p:grpSpPr>
+      <p:sp>
+        <p:nvSpPr>
+          <p:cNvPr id="2" name="Título 1">
+            <a:extLst>
+              <a:ext uri="{FF2B5EF4-FFF2-40B4-BE49-F238E27FC236}">
+                <a16:creationId xmlns:a16="http://schemas.microsoft.com/office/drawing/2014/main" id="{1C7D528B-FD63-7ED1-AB19-727EB637B545}"/>
+              </a:ext>
+            </a:extLst>
+          </p:cNvPr>
+          <p:cNvSpPr>
+            <a:spLocks noGrp="1"/>
+          </p:cNvSpPr>
+          <p:nvPr>
+            <p:ph type="title"/>
+          </p:nvPr>
+        </p:nvSpPr>
+        <p:spPr/>
+        <p:txBody>
+          <a:bodyPr/>
+          <a:lstStyle/>
+          <a:p>
+            <a:r>
+              <a:rPr lang="es-PE" dirty="0"/>
+              <a:t>Cuestionario </a:t>
+            </a:r>
+          </a:p>
+        </p:txBody>
+      </p:sp>
+      <p:sp>
+        <p:nvSpPr>
+          <p:cNvPr id="3" name="Marcador de contenido 2">
+            <a:extLst>
+              <a:ext uri="{FF2B5EF4-FFF2-40B4-BE49-F238E27FC236}">
+                <a16:creationId xmlns:a16="http://schemas.microsoft.com/office/drawing/2014/main" id="{17FE2F32-9880-CB9B-0D35-D6690C3F2858}"/>
+              </a:ext>
+            </a:extLst>
+          </p:cNvPr>
+          <p:cNvSpPr>
+            <a:spLocks noGrp="1"/>
+          </p:cNvSpPr>
+          <p:nvPr>
+            <p:ph idx="1"/>
+          </p:nvPr>
+        </p:nvSpPr>
+        <p:spPr/>
+        <p:txBody>
+          <a:bodyPr/>
+          <a:lstStyle/>
+          <a:p>
+            <a:pPr>
+              <a:buFont typeface="Wingdings" panose="05000000000000000000" pitchFamily="2" charset="2"/>
+              <a:buChar char="q"/>
+            </a:pPr>
+            <a:r>
+              <a:rPr lang="es-PE" dirty="0"/>
+              <a:t> ¿Que es CI/CD? Describe una buena practica</a:t>
+            </a:r>
+          </a:p>
+          <a:p>
+            <a:pPr>
+              <a:buFont typeface="Wingdings" panose="05000000000000000000" pitchFamily="2" charset="2"/>
+              <a:buChar char="q"/>
+            </a:pPr>
+            <a:r>
+              <a:rPr lang="es-PE" dirty="0"/>
+              <a:t>¿Qué otro beneficio podrías anotar en la adopción de los microservicios?</a:t>
+            </a:r>
+          </a:p>
+          <a:p>
+            <a:pPr>
+              <a:buFont typeface="Wingdings" panose="05000000000000000000" pitchFamily="2" charset="2"/>
+              <a:buChar char="q"/>
+            </a:pPr>
+            <a:r>
+              <a:rPr lang="es-PE" dirty="0"/>
+              <a:t>¿Cuándo seria conveniente aplicar el patrón monolítico para construir un aplicación?</a:t>
+            </a:r>
+          </a:p>
+          <a:p>
+            <a:pPr>
+              <a:buFont typeface="Wingdings" panose="05000000000000000000" pitchFamily="2" charset="2"/>
+              <a:buChar char="q"/>
+            </a:pPr>
+            <a:endParaRPr lang="es-PE" dirty="0"/>
+          </a:p>
+        </p:txBody>
+      </p:sp>
+    </p:spTree>
+    <p:extLst>
+      <p:ext uri="{BB962C8B-B14F-4D97-AF65-F5344CB8AC3E}">
+        <p14:creationId xmlns:p14="http://schemas.microsoft.com/office/powerpoint/2010/main" val="1737290613"/>
+      </p:ext>
+    </p:extLst>
+  </p:cSld>
+  <p:clrMapOvr>
+    <a:masterClrMapping/>
+  </p:clrMapOvr>
+</p:sld>
+</file>
+
 <file path=ppt/slides/slide2.xml><?xml version="1.0" encoding="utf-8"?>
+<p:sld xmlns:a="http://schemas.openxmlformats.org/drawingml/2006/main" xmlns:r="http://schemas.openxmlformats.org/officeDocument/2006/relationships" xmlns:p="http://schemas.openxmlformats.org/presentationml/2006/main">
+  <p:cSld>
+    <p:spTree>
+      <p:nvGrpSpPr>
+        <p:cNvPr id="1" name=""/>
+        <p:cNvGrpSpPr/>
+        <p:nvPr/>
+      </p:nvGrpSpPr>
+      <p:grpSpPr>
+        <a:xfrm>
+          <a:off x="0" y="0"/>
+          <a:ext cx="0" cy="0"/>
+          <a:chOff x="0" y="0"/>
+          <a:chExt cx="0" cy="0"/>
+        </a:xfrm>
+      </p:grpSpPr>
+      <p:sp>
+        <p:nvSpPr>
+          <p:cNvPr id="5" name="CuadroTexto 4"/>
+          <p:cNvSpPr txBox="1"/>
+          <p:nvPr/>
+        </p:nvSpPr>
+        <p:spPr>
+          <a:xfrm>
+            <a:off x="609600" y="685801"/>
+            <a:ext cx="11074400" cy="830997"/>
+          </a:xfrm>
+          <a:prstGeom prst="rect">
+            <a:avLst/>
+          </a:prstGeom>
+          <a:noFill/>
+        </p:spPr>
+        <p:txBody>
+          <a:bodyPr wrap="square" rtlCol="0">
+            <a:spAutoFit/>
+          </a:bodyPr>
+          <a:lstStyle/>
+          <a:p>
+            <a:r>
+              <a:rPr lang="es-PE" sz="4800" dirty="0">
+                <a:solidFill>
+                  <a:srgbClr val="002060"/>
+                </a:solidFill>
+              </a:rPr>
+              <a:t>Acerca del Instructor</a:t>
+            </a:r>
+            <a:endParaRPr lang="es-MX" sz="4800" dirty="0">
+              <a:solidFill>
+                <a:srgbClr val="002060"/>
+              </a:solidFill>
+            </a:endParaRPr>
+          </a:p>
+        </p:txBody>
+      </p:sp>
+      <p:sp>
+        <p:nvSpPr>
+          <p:cNvPr id="7" name="Marcador de contenido 2"/>
+          <p:cNvSpPr txBox="1">
+            <a:spLocks/>
+          </p:cNvSpPr>
+          <p:nvPr/>
+        </p:nvSpPr>
+        <p:spPr>
+          <a:xfrm>
+            <a:off x="609600" y="1516798"/>
+            <a:ext cx="8636000" cy="4669971"/>
+          </a:xfrm>
+          <a:prstGeom prst="rect">
+            <a:avLst/>
+          </a:prstGeom>
+        </p:spPr>
+        <p:txBody>
+          <a:bodyPr wrap="square" lIns="0" tIns="0" rIns="0" bIns="0">
+            <a:noAutofit/>
+          </a:bodyPr>
+          <a:lstStyle>
+            <a:lvl1pPr marL="0">
+              <a:defRPr sz="1400" b="0" i="0">
+                <a:solidFill>
+                  <a:schemeClr val="tx1"/>
+                </a:solidFill>
+                <a:latin typeface="Arial"/>
+                <a:ea typeface="+mn-ea"/>
+                <a:cs typeface="Arial"/>
+              </a:defRPr>
+            </a:lvl1pPr>
+            <a:lvl2pPr marL="457200">
+              <a:defRPr>
+                <a:latin typeface="+mn-lt"/>
+                <a:ea typeface="+mn-ea"/>
+                <a:cs typeface="+mn-cs"/>
+              </a:defRPr>
+            </a:lvl2pPr>
+            <a:lvl3pPr marL="914400">
+              <a:defRPr>
+                <a:latin typeface="+mn-lt"/>
+                <a:ea typeface="+mn-ea"/>
+                <a:cs typeface="+mn-cs"/>
+              </a:defRPr>
+            </a:lvl3pPr>
+            <a:lvl4pPr marL="1371600">
+              <a:defRPr>
+                <a:latin typeface="+mn-lt"/>
+                <a:ea typeface="+mn-ea"/>
+                <a:cs typeface="+mn-cs"/>
+              </a:defRPr>
+            </a:lvl4pPr>
+            <a:lvl5pPr marL="1828800">
+              <a:defRPr>
+                <a:latin typeface="+mn-lt"/>
+                <a:ea typeface="+mn-ea"/>
+                <a:cs typeface="+mn-cs"/>
+              </a:defRPr>
+            </a:lvl5pPr>
+            <a:lvl6pPr marL="2286000">
+              <a:defRPr>
+                <a:latin typeface="+mn-lt"/>
+                <a:ea typeface="+mn-ea"/>
+                <a:cs typeface="+mn-cs"/>
+              </a:defRPr>
+            </a:lvl6pPr>
+            <a:lvl7pPr marL="2743200">
+              <a:defRPr>
+                <a:latin typeface="+mn-lt"/>
+                <a:ea typeface="+mn-ea"/>
+                <a:cs typeface="+mn-cs"/>
+              </a:defRPr>
+            </a:lvl7pPr>
+            <a:lvl8pPr marL="3200400">
+              <a:defRPr>
+                <a:latin typeface="+mn-lt"/>
+                <a:ea typeface="+mn-ea"/>
+                <a:cs typeface="+mn-cs"/>
+              </a:defRPr>
+            </a:lvl8pPr>
+            <a:lvl9pPr marL="3657600">
+              <a:defRPr>
+                <a:latin typeface="+mn-lt"/>
+                <a:ea typeface="+mn-ea"/>
+                <a:cs typeface="+mn-cs"/>
+              </a:defRPr>
+            </a:lvl9pPr>
+          </a:lstStyle>
+          <a:p>
+            <a:pPr marL="380990" indent="-380990">
+              <a:buFont typeface="Arial" panose="020B0604020202020204" pitchFamily="34" charset="0"/>
+              <a:buChar char="•"/>
+            </a:pPr>
+            <a:r>
+              <a:rPr lang="es-PE" sz="2000" kern="0" dirty="0"/>
+              <a:t>Carlos Carreño, </a:t>
+            </a:r>
+            <a:r>
+              <a:rPr lang="es-PE" sz="2000" i="1" kern="0" dirty="0"/>
+              <a:t>ccarrenovi@Gmail.com</a:t>
+            </a:r>
+          </a:p>
+          <a:p>
+            <a:pPr marL="380990" indent="-380990">
+              <a:buFont typeface="Arial" panose="020B0604020202020204" pitchFamily="34" charset="0"/>
+              <a:buChar char="•"/>
+            </a:pPr>
+            <a:r>
+              <a:rPr lang="es-PE" sz="2000" kern="0" dirty="0"/>
+              <a:t>Ingeniero de Sistemas, Físico Matemático, Data </a:t>
+            </a:r>
+            <a:r>
+              <a:rPr lang="es-PE" sz="2000" kern="0" dirty="0" err="1"/>
+              <a:t>Scientist</a:t>
+            </a:r>
+            <a:r>
+              <a:rPr lang="es-PE" sz="2000" kern="0" dirty="0"/>
+              <a:t> (UAH).</a:t>
+            </a:r>
+          </a:p>
+          <a:p>
+            <a:pPr marL="380990" indent="-380990">
+              <a:buFont typeface="Arial" panose="020B0604020202020204" pitchFamily="34" charset="0"/>
+              <a:buChar char="•"/>
+            </a:pPr>
+            <a:r>
+              <a:rPr lang="es-PE" sz="2000" kern="0" dirty="0"/>
+              <a:t>Certificaciones: OCP, </a:t>
+            </a:r>
+            <a:r>
+              <a:rPr lang="es-PE" sz="2000" kern="0" dirty="0" err="1"/>
+              <a:t>ScrumMaster</a:t>
+            </a:r>
+            <a:r>
+              <a:rPr lang="es-PE" sz="2000" kern="0" dirty="0"/>
+              <a:t>, RHCJA, RHCBPM, RHCBRMS, otros</a:t>
+            </a:r>
+          </a:p>
+          <a:p>
+            <a:pPr marL="380990" indent="-380990">
+              <a:buFont typeface="Arial" panose="020B0604020202020204" pitchFamily="34" charset="0"/>
+              <a:buChar char="•"/>
+            </a:pPr>
+            <a:r>
+              <a:rPr lang="es-PE" sz="2000" kern="0" dirty="0"/>
+              <a:t>Oracle WDP Instructor</a:t>
+            </a:r>
+          </a:p>
+          <a:p>
+            <a:pPr marL="380990" indent="-380990">
+              <a:buFont typeface="Arial" panose="020B0604020202020204" pitchFamily="34" charset="0"/>
+              <a:buChar char="•"/>
+            </a:pPr>
+            <a:r>
+              <a:rPr lang="es-PE" sz="2000" kern="0" dirty="0"/>
+              <a:t>Red Hat </a:t>
+            </a:r>
+            <a:r>
+              <a:rPr lang="es-PE" sz="2000" kern="0" dirty="0" err="1"/>
+              <a:t>Certified</a:t>
+            </a:r>
+            <a:r>
+              <a:rPr lang="es-PE" sz="2000" kern="0" dirty="0"/>
+              <a:t> Instructor </a:t>
+            </a:r>
+            <a:r>
+              <a:rPr lang="es-PE" sz="2000" kern="0" dirty="0" err="1"/>
+              <a:t>Latam</a:t>
+            </a:r>
+            <a:r>
+              <a:rPr lang="es-PE" sz="2000" kern="0" dirty="0"/>
+              <a:t>/</a:t>
+            </a:r>
+            <a:r>
+              <a:rPr lang="es-PE" sz="2000" kern="0" dirty="0" err="1"/>
+              <a:t>Spain</a:t>
+            </a:r>
+            <a:endParaRPr lang="es-PE" sz="2000" kern="0" dirty="0"/>
+          </a:p>
+          <a:p>
+            <a:pPr marL="380990" indent="-380990">
+              <a:buFont typeface="Arial" panose="020B0604020202020204" pitchFamily="34" charset="0"/>
+              <a:buChar char="•"/>
+            </a:pPr>
+            <a:r>
+              <a:rPr lang="es-PE" sz="2000" kern="0" dirty="0"/>
+              <a:t>NIIT India Instructor</a:t>
+            </a:r>
+          </a:p>
+          <a:p>
+            <a:pPr marL="380990" indent="-380990">
+              <a:buFont typeface="Arial" panose="020B0604020202020204" pitchFamily="34" charset="0"/>
+              <a:buChar char="•"/>
+            </a:pPr>
+            <a:r>
+              <a:rPr lang="es-PE" sz="2000" kern="0" dirty="0"/>
+              <a:t>NH Instructor</a:t>
+            </a:r>
+          </a:p>
+          <a:p>
+            <a:pPr marL="380990" indent="-380990">
+              <a:buFont typeface="Arial" panose="020B0604020202020204" pitchFamily="34" charset="0"/>
+              <a:buChar char="•"/>
+            </a:pPr>
+            <a:r>
+              <a:rPr lang="es-PE" sz="2000" kern="0" dirty="0"/>
+              <a:t>Cognos Bolivia</a:t>
+            </a:r>
+          </a:p>
+          <a:p>
+            <a:pPr marL="380990" indent="-380990">
+              <a:buFont typeface="Arial" panose="020B0604020202020204" pitchFamily="34" charset="0"/>
+              <a:buChar char="•"/>
+            </a:pPr>
+            <a:r>
+              <a:rPr lang="es-PE" sz="2000" kern="0" dirty="0"/>
+              <a:t>Sonda Chile</a:t>
+            </a:r>
+          </a:p>
+          <a:p>
+            <a:pPr marL="380990" indent="-380990">
+              <a:buFont typeface="Arial" panose="020B0604020202020204" pitchFamily="34" charset="0"/>
+              <a:buChar char="•"/>
+            </a:pPr>
+            <a:r>
+              <a:rPr lang="es-PE" sz="2000" kern="0" dirty="0"/>
+              <a:t>IGP </a:t>
+            </a:r>
+            <a:r>
+              <a:rPr lang="es-PE" sz="2000" kern="0" dirty="0" err="1"/>
+              <a:t>Peru</a:t>
+            </a:r>
+            <a:endParaRPr lang="es-PE" sz="2000" kern="0" dirty="0"/>
+          </a:p>
+          <a:p>
+            <a:pPr marL="380990" indent="-380990">
+              <a:buFont typeface="Arial" panose="020B0604020202020204" pitchFamily="34" charset="0"/>
+              <a:buChar char="•"/>
+            </a:pPr>
+            <a:r>
+              <a:rPr lang="es-PE" sz="2000" kern="0" dirty="0"/>
+              <a:t>Red Hat Consulting Arquitecto de Soluciones</a:t>
+            </a:r>
+          </a:p>
+          <a:p>
+            <a:pPr marL="990575" lvl="1" indent="-380990">
+              <a:buFont typeface="Arial" panose="020B0604020202020204" pitchFamily="34" charset="0"/>
+              <a:buChar char="•"/>
+            </a:pPr>
+            <a:r>
+              <a:rPr lang="es-PE" sz="2000" kern="0" dirty="0">
+                <a:solidFill>
+                  <a:sysClr val="windowText" lastClr="000000"/>
+                </a:solidFill>
+              </a:rPr>
+              <a:t>RHPAM, </a:t>
+            </a:r>
+            <a:r>
+              <a:rPr lang="es-PE" sz="2000" kern="0" dirty="0" err="1">
+                <a:solidFill>
+                  <a:sysClr val="windowText" lastClr="000000"/>
+                </a:solidFill>
+              </a:rPr>
+              <a:t>Nginx</a:t>
+            </a:r>
+            <a:r>
+              <a:rPr lang="es-PE" sz="2000" kern="0" dirty="0">
+                <a:solidFill>
+                  <a:sysClr val="windowText" lastClr="000000"/>
+                </a:solidFill>
+              </a:rPr>
+              <a:t>, Kafka, MS </a:t>
+            </a:r>
+            <a:r>
+              <a:rPr lang="es-PE" sz="2000" kern="0" dirty="0" err="1">
+                <a:solidFill>
+                  <a:sysClr val="windowText" lastClr="000000"/>
+                </a:solidFill>
+              </a:rPr>
+              <a:t>Azure,AWS</a:t>
+            </a:r>
+            <a:endParaRPr lang="es-PE" sz="2000" kern="0" dirty="0">
+              <a:solidFill>
+                <a:sysClr val="windowText" lastClr="000000"/>
+              </a:solidFill>
+            </a:endParaRPr>
+          </a:p>
+          <a:p>
+            <a:pPr marL="990575" lvl="1" indent="-380990">
+              <a:buFont typeface="Arial" panose="020B0604020202020204" pitchFamily="34" charset="0"/>
+              <a:buChar char="•"/>
+            </a:pPr>
+            <a:r>
+              <a:rPr lang="es-PE" sz="2000" kern="0" dirty="0">
+                <a:solidFill>
+                  <a:sysClr val="windowText" lastClr="000000"/>
+                </a:solidFill>
+              </a:rPr>
+              <a:t>Red Hat </a:t>
+            </a:r>
+            <a:r>
+              <a:rPr lang="es-PE" sz="2000" kern="0" dirty="0" err="1">
+                <a:solidFill>
+                  <a:sysClr val="windowText" lastClr="000000"/>
+                </a:solidFill>
+              </a:rPr>
+              <a:t>Openshift</a:t>
+            </a:r>
+            <a:r>
+              <a:rPr lang="es-PE" sz="2000" kern="0" dirty="0">
+                <a:solidFill>
+                  <a:sysClr val="windowText" lastClr="000000"/>
+                </a:solidFill>
+              </a:rPr>
+              <a:t>,   Kubernetes</a:t>
+            </a:r>
+          </a:p>
+          <a:p>
+            <a:pPr marL="990575" lvl="1" indent="-380990">
+              <a:buFont typeface="Arial" panose="020B0604020202020204" pitchFamily="34" charset="0"/>
+              <a:buChar char="•"/>
+            </a:pPr>
+            <a:r>
+              <a:rPr lang="es-PE" sz="2000" kern="0" dirty="0">
+                <a:solidFill>
+                  <a:sysClr val="windowText" lastClr="000000"/>
+                </a:solidFill>
+              </a:rPr>
+              <a:t>Proyectos de Desarrollo e Implementación</a:t>
+            </a:r>
+          </a:p>
+        </p:txBody>
+      </p:sp>
+      <p:pic>
+        <p:nvPicPr>
+          <p:cNvPr id="8" name="Imagen 7"/>
+          <p:cNvPicPr>
+            <a:picLocks noChangeAspect="1"/>
+          </p:cNvPicPr>
+          <p:nvPr/>
+        </p:nvPicPr>
+        <p:blipFill>
+          <a:blip r:embed="rId2"/>
+          <a:stretch>
+            <a:fillRect/>
+          </a:stretch>
+        </p:blipFill>
+        <p:spPr>
+          <a:xfrm>
+            <a:off x="7588068" y="2734282"/>
+            <a:ext cx="2836092" cy="3332224"/>
+          </a:xfrm>
+          <a:prstGeom prst="rect">
+            <a:avLst/>
+          </a:prstGeom>
+        </p:spPr>
+      </p:pic>
+      <p:sp>
+        <p:nvSpPr>
+          <p:cNvPr id="6" name="CuadroTexto 5"/>
+          <p:cNvSpPr txBox="1"/>
+          <p:nvPr/>
+        </p:nvSpPr>
+        <p:spPr>
+          <a:xfrm>
+            <a:off x="222069" y="6311900"/>
+            <a:ext cx="1941750" cy="276999"/>
+          </a:xfrm>
+          <a:prstGeom prst="rect">
+            <a:avLst/>
+          </a:prstGeom>
+          <a:noFill/>
+        </p:spPr>
+        <p:txBody>
+          <a:bodyPr wrap="none" rtlCol="0">
+            <a:spAutoFit/>
+          </a:bodyPr>
+          <a:lstStyle/>
+          <a:p>
+            <a:r>
+              <a:rPr lang="es-PE" sz="1200" dirty="0">
+                <a:solidFill>
+                  <a:schemeClr val="bg1"/>
+                </a:solidFill>
+              </a:rPr>
+              <a:t>Docker para desarrolladores</a:t>
+            </a:r>
+          </a:p>
+        </p:txBody>
+      </p:sp>
+    </p:spTree>
+    <p:extLst>
+      <p:ext uri="{BB962C8B-B14F-4D97-AF65-F5344CB8AC3E}">
+        <p14:creationId xmlns:p14="http://schemas.microsoft.com/office/powerpoint/2010/main" val="1028511588"/>
+      </p:ext>
+    </p:extLst>
+  </p:cSld>
+  <p:clrMapOvr>
+    <a:masterClrMapping/>
+  </p:clrMapOvr>
+</p:sld>
+</file>
+
+<file path=ppt/slides/slide3.xml><?xml version="1.0" encoding="utf-8"?>
 <p:sld xmlns:a="http://schemas.openxmlformats.org/drawingml/2006/main" xmlns:r="http://schemas.openxmlformats.org/officeDocument/2006/relationships" xmlns:p="http://schemas.openxmlformats.org/presentationml/2006/main">
   <p:cSld>
     <p:spTree>
@@ -5710,183 +6287,6 @@
 </p:sld>
 </file>
 
-<file path=ppt/slides/slide3.xml><?xml version="1.0" encoding="utf-8"?>
-<p:sld xmlns:a="http://schemas.openxmlformats.org/drawingml/2006/main" xmlns:r="http://schemas.openxmlformats.org/officeDocument/2006/relationships" xmlns:p="http://schemas.openxmlformats.org/presentationml/2006/main">
-  <p:cSld>
-    <p:spTree>
-      <p:nvGrpSpPr>
-        <p:cNvPr id="1" name=""/>
-        <p:cNvGrpSpPr/>
-        <p:nvPr/>
-      </p:nvGrpSpPr>
-      <p:grpSpPr>
-        <a:xfrm>
-          <a:off x="0" y="0"/>
-          <a:ext cx="0" cy="0"/>
-          <a:chOff x="0" y="0"/>
-          <a:chExt cx="0" cy="0"/>
-        </a:xfrm>
-      </p:grpSpPr>
-      <p:sp>
-        <p:nvSpPr>
-          <p:cNvPr id="2" name="Título 1">
-            <a:extLst>
-              <a:ext uri="{FF2B5EF4-FFF2-40B4-BE49-F238E27FC236}">
-                <a16:creationId xmlns:a16="http://schemas.microsoft.com/office/drawing/2014/main" id="{9AE8182B-C0ED-6F56-7AC0-299A54228724}"/>
-              </a:ext>
-            </a:extLst>
-          </p:cNvPr>
-          <p:cNvSpPr>
-            <a:spLocks noGrp="1"/>
-          </p:cNvSpPr>
-          <p:nvPr>
-            <p:ph type="title"/>
-          </p:nvPr>
-        </p:nvSpPr>
-        <p:spPr/>
-        <p:txBody>
-          <a:bodyPr/>
-          <a:lstStyle/>
-          <a:p>
-            <a:r>
-              <a:rPr lang="es-ES" dirty="0"/>
-              <a:t>¿Qué es un microservicio? Comparación con el modelo monolítico.</a:t>
-            </a:r>
-            <a:endParaRPr lang="es-PE" dirty="0"/>
-          </a:p>
-        </p:txBody>
-      </p:sp>
-      <p:sp>
-        <p:nvSpPr>
-          <p:cNvPr id="3" name="Marcador de contenido 2">
-            <a:extLst>
-              <a:ext uri="{FF2B5EF4-FFF2-40B4-BE49-F238E27FC236}">
-                <a16:creationId xmlns:a16="http://schemas.microsoft.com/office/drawing/2014/main" id="{17600ABB-DF63-1F98-6B20-7EF0C7CF7F27}"/>
-              </a:ext>
-            </a:extLst>
-          </p:cNvPr>
-          <p:cNvSpPr>
-            <a:spLocks noGrp="1"/>
-          </p:cNvSpPr>
-          <p:nvPr>
-            <p:ph idx="1"/>
-          </p:nvPr>
-        </p:nvSpPr>
-        <p:spPr/>
-        <p:txBody>
-          <a:bodyPr/>
-          <a:lstStyle/>
-          <a:p>
-            <a:r>
-              <a:rPr lang="es-PE" dirty="0"/>
-              <a:t>Según </a:t>
-            </a:r>
-            <a:r>
-              <a:rPr lang="es-PE" b="1" dirty="0"/>
-              <a:t>ChatGPT</a:t>
-            </a:r>
-          </a:p>
-        </p:txBody>
-      </p:sp>
-      <p:sp>
-        <p:nvSpPr>
-          <p:cNvPr id="4" name="CuadroTexto 3">
-            <a:extLst>
-              <a:ext uri="{FF2B5EF4-FFF2-40B4-BE49-F238E27FC236}">
-                <a16:creationId xmlns:a16="http://schemas.microsoft.com/office/drawing/2014/main" id="{C62BEC56-CF4B-79CA-57DF-E535A9EA3752}"/>
-              </a:ext>
-            </a:extLst>
-          </p:cNvPr>
-          <p:cNvSpPr txBox="1"/>
-          <p:nvPr/>
-        </p:nvSpPr>
-        <p:spPr>
-          <a:xfrm>
-            <a:off x="1508910" y="2753320"/>
-            <a:ext cx="10021846" cy="1815882"/>
-          </a:xfrm>
-          <a:prstGeom prst="rect">
-            <a:avLst/>
-          </a:prstGeom>
-          <a:noFill/>
-        </p:spPr>
-        <p:txBody>
-          <a:bodyPr wrap="none" rtlCol="0">
-            <a:spAutoFit/>
-          </a:bodyPr>
-          <a:lstStyle/>
-          <a:p>
-            <a:r>
-              <a:rPr lang="es-ES" sz="2800" dirty="0"/>
-              <a:t>“Un </a:t>
-            </a:r>
-            <a:r>
-              <a:rPr lang="es-ES" sz="2800" b="1" dirty="0"/>
-              <a:t>microservicio</a:t>
-            </a:r>
-            <a:r>
-              <a:rPr lang="es-ES" sz="2800" dirty="0"/>
-              <a:t> es una </a:t>
-            </a:r>
-            <a:r>
-              <a:rPr lang="es-ES" sz="2800" b="1" dirty="0"/>
-              <a:t>unidad pequeña, autónoma y enfocada</a:t>
-            </a:r>
-            <a:r>
-              <a:rPr lang="es-ES" sz="2800" dirty="0"/>
-              <a:t> </a:t>
-            </a:r>
-          </a:p>
-          <a:p>
-            <a:r>
-              <a:rPr lang="es-ES" sz="2800" dirty="0"/>
-              <a:t>dentro de una aplicación más grande, que se encarga de realizar </a:t>
-            </a:r>
-          </a:p>
-          <a:p>
-            <a:r>
-              <a:rPr lang="es-ES" sz="2800" dirty="0"/>
-              <a:t>una </a:t>
-            </a:r>
-            <a:r>
-              <a:rPr lang="es-ES" sz="2800" b="1" dirty="0"/>
-              <a:t>funcionalidad específica</a:t>
-            </a:r>
-            <a:r>
-              <a:rPr lang="es-ES" sz="2800" dirty="0"/>
-              <a:t> de negocio y que puede desarrollarse,</a:t>
-            </a:r>
-          </a:p>
-          <a:p>
-            <a:r>
-              <a:rPr lang="es-ES" sz="2800" dirty="0"/>
-              <a:t> desplegarse y escalarse </a:t>
-            </a:r>
-            <a:r>
-              <a:rPr lang="es-ES" sz="2800" b="1" dirty="0"/>
-              <a:t>de forma independiente”</a:t>
-            </a:r>
-            <a:r>
-              <a:rPr lang="es-ES" sz="2800" dirty="0"/>
-              <a:t>.</a:t>
-            </a:r>
-            <a:endParaRPr lang="es-PE" sz="2800" dirty="0"/>
-          </a:p>
-        </p:txBody>
-      </p:sp>
-    </p:spTree>
-    <p:extLst>
-      <p:ext uri="{BB962C8B-B14F-4D97-AF65-F5344CB8AC3E}">
-        <p14:creationId xmlns:p14="http://schemas.microsoft.com/office/powerpoint/2010/main" val="2012566783"/>
-      </p:ext>
-    </p:extLst>
-  </p:cSld>
-  <p:clrMapOvr>
-    <a:masterClrMapping/>
-  </p:clrMapOvr>
-</p:sld>
-</file>
-
 <file path=ppt/slides/slide4.xml><?xml version="1.0" encoding="utf-8"?>
 <p:sld xmlns:a="http://schemas.openxmlformats.org/drawingml/2006/main" xmlns:r="http://schemas.openxmlformats.org/officeDocument/2006/relationships" xmlns:p="http://schemas.openxmlformats.org/presentationml/2006/main">
   <p:cSld>
@@ -5909,7 +6309,7 @@
           <p:cNvPr id="2" name="Título 1">
             <a:extLst>
               <a:ext uri="{FF2B5EF4-FFF2-40B4-BE49-F238E27FC236}">
-                <a16:creationId xmlns:a16="http://schemas.microsoft.com/office/drawing/2014/main" id="{21887A40-3422-E931-D2FD-3B3F744FAAD3}"/>
+                <a16:creationId xmlns:a16="http://schemas.microsoft.com/office/drawing/2014/main" id="{9AE8182B-C0ED-6F56-7AC0-299A54228724}"/>
               </a:ext>
             </a:extLst>
           </p:cNvPr>
@@ -5927,7 +6327,7 @@
           <a:p>
             <a:r>
               <a:rPr lang="es-ES" dirty="0"/>
-              <a:t>Características clave: desacoplamiento, escalabilidad, resiliencia.</a:t>
+              <a:t>¿Qué es un microservicio? Comparación con el modelo monolítico.</a:t>
             </a:r>
             <a:endParaRPr lang="es-PE" dirty="0"/>
           </a:p>
@@ -5938,7 +6338,7 @@
           <p:cNvPr id="3" name="Marcador de contenido 2">
             <a:extLst>
               <a:ext uri="{FF2B5EF4-FFF2-40B4-BE49-F238E27FC236}">
-                <a16:creationId xmlns:a16="http://schemas.microsoft.com/office/drawing/2014/main" id="{7533DB88-9109-5589-D1CD-42DD04268958}"/>
+                <a16:creationId xmlns:a16="http://schemas.microsoft.com/office/drawing/2014/main" id="{17600ABB-DF63-1F98-6B20-7EF0C7CF7F27}"/>
               </a:ext>
             </a:extLst>
           </p:cNvPr>
@@ -5948,90 +6348,113 @@
           <p:nvPr>
             <p:ph idx="1"/>
           </p:nvPr>
+        </p:nvSpPr>
+        <p:spPr/>
+        <p:txBody>
+          <a:bodyPr/>
+          <a:lstStyle/>
+          <a:p>
+            <a:r>
+              <a:rPr lang="es-PE" dirty="0"/>
+              <a:t>Según </a:t>
+            </a:r>
+            <a:r>
+              <a:rPr lang="es-PE" b="1" dirty="0"/>
+              <a:t>ChatGPT</a:t>
+            </a:r>
+          </a:p>
+        </p:txBody>
+      </p:sp>
+      <p:sp>
+        <p:nvSpPr>
+          <p:cNvPr id="4" name="CuadroTexto 3">
+            <a:extLst>
+              <a:ext uri="{FF2B5EF4-FFF2-40B4-BE49-F238E27FC236}">
+                <a16:creationId xmlns:a16="http://schemas.microsoft.com/office/drawing/2014/main" id="{C62BEC56-CF4B-79CA-57DF-E535A9EA3752}"/>
+              </a:ext>
+            </a:extLst>
+          </p:cNvPr>
+          <p:cNvSpPr txBox="1"/>
+          <p:nvPr/>
         </p:nvSpPr>
         <p:spPr>
           <a:xfrm>
-            <a:off x="838200" y="2247899"/>
-            <a:ext cx="10515600" cy="3929063"/>
+            <a:off x="1508910" y="2753320"/>
+            <a:ext cx="10021846" cy="1815882"/>
           </a:xfrm>
+          <a:prstGeom prst="rect">
+            <a:avLst/>
+          </a:prstGeom>
+          <a:noFill/>
         </p:spPr>
         <p:txBody>
-          <a:bodyPr/>
-          <a:lstStyle/>
-          <a:p>
-            <a:pPr marL="0" indent="0">
-              <a:buNone/>
-            </a:pPr>
-            <a:r>
-              <a:rPr lang="es-ES" dirty="0"/>
-              <a:t>🎯 Enfocado en una sola responsabilidad</a:t>
-            </a:r>
-          </a:p>
-          <a:p>
-            <a:pPr marL="0" indent="0">
-              <a:buNone/>
-            </a:pPr>
-            <a:r>
-              <a:rPr lang="es-PE" dirty="0"/>
-              <a:t>🔗 Independiente</a:t>
-            </a:r>
-            <a:endParaRPr lang="es-ES" dirty="0"/>
-          </a:p>
-          <a:p>
-            <a:pPr marL="0" indent="0">
-              <a:buNone/>
-            </a:pPr>
-            <a:r>
-              <a:rPr lang="es-PE" dirty="0"/>
-              <a:t>🧠 Autónomo</a:t>
-            </a:r>
-            <a:endParaRPr lang="es-ES" dirty="0"/>
-          </a:p>
-          <a:p>
-            <a:pPr marL="0" indent="0">
-              <a:buNone/>
-            </a:pPr>
-            <a:r>
-              <a:rPr lang="es-PE" dirty="0"/>
-              <a:t>💬 Comunicación mediante APIs</a:t>
-            </a:r>
-            <a:endParaRPr lang="es-ES" dirty="0"/>
-          </a:p>
-          <a:p>
-            <a:pPr marL="0" indent="0">
-              <a:buNone/>
-            </a:pPr>
-            <a:r>
-              <a:rPr lang="es-PE" dirty="0"/>
-              <a:t>🏗️ Despliegue independiente</a:t>
-            </a:r>
-            <a:endParaRPr lang="es-ES" dirty="0"/>
-          </a:p>
-          <a:p>
-            <a:pPr marL="0" indent="0">
-              <a:buNone/>
-            </a:pPr>
-            <a:r>
-              <a:rPr lang="es-PE" dirty="0"/>
-              <a:t>🔄 Escalabilidad individual</a:t>
-            </a:r>
-            <a:endParaRPr lang="es-ES" dirty="0"/>
-          </a:p>
-          <a:p>
-            <a:pPr marL="0" indent="0">
-              <a:buNone/>
-            </a:pPr>
-            <a:r>
-              <a:rPr lang="es-PE" dirty="0"/>
-              <a:t>🧱 Tecnología heterogénea (opcional)</a:t>
-            </a:r>
+          <a:bodyPr wrap="none" rtlCol="0">
+            <a:spAutoFit/>
+          </a:bodyPr>
+          <a:lstStyle/>
+          <a:p>
+            <a:r>
+              <a:rPr lang="es-ES" sz="2800" dirty="0"/>
+              <a:t>“Un </a:t>
+            </a:r>
+            <a:r>
+              <a:rPr lang="es-ES" sz="2800" b="1" dirty="0"/>
+              <a:t>microservicio</a:t>
+            </a:r>
+            <a:r>
+              <a:rPr lang="es-ES" sz="2800" dirty="0"/>
+              <a:t> es una </a:t>
+            </a:r>
+            <a:r>
+              <a:rPr lang="es-ES" sz="2800" b="1" dirty="0"/>
+              <a:t>unidad pequeña, autónoma y enfocada</a:t>
+            </a:r>
+            <a:r>
+              <a:rPr lang="es-ES" sz="2800" dirty="0"/>
+              <a:t> </a:t>
+            </a:r>
+          </a:p>
+          <a:p>
+            <a:r>
+              <a:rPr lang="es-ES" sz="2800" dirty="0"/>
+              <a:t>dentro de una aplicación más grande, que se encarga de realizar </a:t>
+            </a:r>
+          </a:p>
+          <a:p>
+            <a:r>
+              <a:rPr lang="es-ES" sz="2800" dirty="0"/>
+              <a:t>una </a:t>
+            </a:r>
+            <a:r>
+              <a:rPr lang="es-ES" sz="2800" b="1" dirty="0"/>
+              <a:t>funcionalidad específica</a:t>
+            </a:r>
+            <a:r>
+              <a:rPr lang="es-ES" sz="2800" dirty="0"/>
+              <a:t> de negocio y que puede desarrollarse,</a:t>
+            </a:r>
+          </a:p>
+          <a:p>
+            <a:r>
+              <a:rPr lang="es-ES" sz="2800" dirty="0"/>
+              <a:t> desplegarse y escalarse </a:t>
+            </a:r>
+            <a:r>
+              <a:rPr lang="es-ES" sz="2800" b="1" dirty="0"/>
+              <a:t>de forma independiente”</a:t>
+            </a:r>
+            <a:r>
+              <a:rPr lang="es-ES" sz="2800" dirty="0"/>
+              <a:t>.</a:t>
+            </a:r>
+            <a:endParaRPr lang="es-PE" sz="2800" dirty="0"/>
           </a:p>
         </p:txBody>
       </p:sp>
     </p:spTree>
     <p:extLst>
       <p:ext uri="{BB962C8B-B14F-4D97-AF65-F5344CB8AC3E}">
-        <p14:creationId xmlns:p14="http://schemas.microsoft.com/office/powerpoint/2010/main" val="155476830"/>
+        <p14:creationId xmlns:p14="http://schemas.microsoft.com/office/powerpoint/2010/main" val="2012566783"/>
       </p:ext>
     </p:extLst>
   </p:cSld>
@@ -6063,6 +6486,160 @@
           <p:cNvPr id="2" name="Título 1">
             <a:extLst>
               <a:ext uri="{FF2B5EF4-FFF2-40B4-BE49-F238E27FC236}">
+                <a16:creationId xmlns:a16="http://schemas.microsoft.com/office/drawing/2014/main" id="{21887A40-3422-E931-D2FD-3B3F744FAAD3}"/>
+              </a:ext>
+            </a:extLst>
+          </p:cNvPr>
+          <p:cNvSpPr>
+            <a:spLocks noGrp="1"/>
+          </p:cNvSpPr>
+          <p:nvPr>
+            <p:ph type="title"/>
+          </p:nvPr>
+        </p:nvSpPr>
+        <p:spPr/>
+        <p:txBody>
+          <a:bodyPr/>
+          <a:lstStyle/>
+          <a:p>
+            <a:r>
+              <a:rPr lang="es-ES" dirty="0"/>
+              <a:t>Características clave: desacoplamiento, escalabilidad, resiliencia.</a:t>
+            </a:r>
+            <a:endParaRPr lang="es-PE" dirty="0"/>
+          </a:p>
+        </p:txBody>
+      </p:sp>
+      <p:sp>
+        <p:nvSpPr>
+          <p:cNvPr id="3" name="Marcador de contenido 2">
+            <a:extLst>
+              <a:ext uri="{FF2B5EF4-FFF2-40B4-BE49-F238E27FC236}">
+                <a16:creationId xmlns:a16="http://schemas.microsoft.com/office/drawing/2014/main" id="{7533DB88-9109-5589-D1CD-42DD04268958}"/>
+              </a:ext>
+            </a:extLst>
+          </p:cNvPr>
+          <p:cNvSpPr>
+            <a:spLocks noGrp="1"/>
+          </p:cNvSpPr>
+          <p:nvPr>
+            <p:ph idx="1"/>
+          </p:nvPr>
+        </p:nvSpPr>
+        <p:spPr>
+          <a:xfrm>
+            <a:off x="838200" y="2247899"/>
+            <a:ext cx="10515600" cy="3929063"/>
+          </a:xfrm>
+        </p:spPr>
+        <p:txBody>
+          <a:bodyPr/>
+          <a:lstStyle/>
+          <a:p>
+            <a:pPr marL="0" indent="0">
+              <a:buNone/>
+            </a:pPr>
+            <a:r>
+              <a:rPr lang="es-ES" dirty="0"/>
+              <a:t>🎯 Enfocado en una sola responsabilidad</a:t>
+            </a:r>
+          </a:p>
+          <a:p>
+            <a:pPr marL="0" indent="0">
+              <a:buNone/>
+            </a:pPr>
+            <a:r>
+              <a:rPr lang="es-PE" dirty="0"/>
+              <a:t>🔗 Independiente</a:t>
+            </a:r>
+            <a:endParaRPr lang="es-ES" dirty="0"/>
+          </a:p>
+          <a:p>
+            <a:pPr marL="0" indent="0">
+              <a:buNone/>
+            </a:pPr>
+            <a:r>
+              <a:rPr lang="es-PE" dirty="0"/>
+              <a:t>🧠 Autónomo</a:t>
+            </a:r>
+            <a:endParaRPr lang="es-ES" dirty="0"/>
+          </a:p>
+          <a:p>
+            <a:pPr marL="0" indent="0">
+              <a:buNone/>
+            </a:pPr>
+            <a:r>
+              <a:rPr lang="es-PE" dirty="0"/>
+              <a:t>💬 Comunicación mediante APIs</a:t>
+            </a:r>
+            <a:endParaRPr lang="es-ES" dirty="0"/>
+          </a:p>
+          <a:p>
+            <a:pPr marL="0" indent="0">
+              <a:buNone/>
+            </a:pPr>
+            <a:r>
+              <a:rPr lang="es-PE" dirty="0"/>
+              <a:t>🏗️ Despliegue independiente</a:t>
+            </a:r>
+            <a:endParaRPr lang="es-ES" dirty="0"/>
+          </a:p>
+          <a:p>
+            <a:pPr marL="0" indent="0">
+              <a:buNone/>
+            </a:pPr>
+            <a:r>
+              <a:rPr lang="es-PE" dirty="0"/>
+              <a:t>🔄 Escalabilidad individual</a:t>
+            </a:r>
+            <a:endParaRPr lang="es-ES" dirty="0"/>
+          </a:p>
+          <a:p>
+            <a:pPr marL="0" indent="0">
+              <a:buNone/>
+            </a:pPr>
+            <a:r>
+              <a:rPr lang="es-PE" dirty="0"/>
+              <a:t>🧱 Tecnología heterogénea (opcional)</a:t>
+            </a:r>
+          </a:p>
+        </p:txBody>
+      </p:sp>
+    </p:spTree>
+    <p:extLst>
+      <p:ext uri="{BB962C8B-B14F-4D97-AF65-F5344CB8AC3E}">
+        <p14:creationId xmlns:p14="http://schemas.microsoft.com/office/powerpoint/2010/main" val="155476830"/>
+      </p:ext>
+    </p:extLst>
+  </p:cSld>
+  <p:clrMapOvr>
+    <a:masterClrMapping/>
+  </p:clrMapOvr>
+</p:sld>
+</file>
+
+<file path=ppt/slides/slide6.xml><?xml version="1.0" encoding="utf-8"?>
+<p:sld xmlns:a="http://schemas.openxmlformats.org/drawingml/2006/main" xmlns:r="http://schemas.openxmlformats.org/officeDocument/2006/relationships" xmlns:p="http://schemas.openxmlformats.org/presentationml/2006/main">
+  <p:cSld>
+    <p:spTree>
+      <p:nvGrpSpPr>
+        <p:cNvPr id="1" name=""/>
+        <p:cNvGrpSpPr/>
+        <p:nvPr/>
+      </p:nvGrpSpPr>
+      <p:grpSpPr>
+        <a:xfrm>
+          <a:off x="0" y="0"/>
+          <a:ext cx="0" cy="0"/>
+          <a:chOff x="0" y="0"/>
+          <a:chExt cx="0" cy="0"/>
+        </a:xfrm>
+      </p:grpSpPr>
+      <p:sp>
+        <p:nvSpPr>
+          <p:cNvPr id="2" name="Título 1">
+            <a:extLst>
+              <a:ext uri="{FF2B5EF4-FFF2-40B4-BE49-F238E27FC236}">
                 <a16:creationId xmlns:a16="http://schemas.microsoft.com/office/drawing/2014/main" id="{BA3C54C9-D247-12CC-D6C4-26BD23F9C873}"/>
               </a:ext>
             </a:extLst>
@@ -6215,7 +6792,7 @@
 </p:sld>
 </file>
 
-<file path=ppt/slides/slide6.xml><?xml version="1.0" encoding="utf-8"?>
+<file path=ppt/slides/slide7.xml><?xml version="1.0" encoding="utf-8"?>
 <p:sld xmlns:a="http://schemas.openxmlformats.org/drawingml/2006/main" xmlns:r="http://schemas.openxmlformats.org/officeDocument/2006/relationships" xmlns:p="http://schemas.openxmlformats.org/presentationml/2006/main">
   <p:cSld>
     <p:spTree>
@@ -6376,164 +6953,6 @@
     <p:extLst>
       <p:ext uri="{BB962C8B-B14F-4D97-AF65-F5344CB8AC3E}">
         <p14:creationId xmlns:p14="http://schemas.microsoft.com/office/powerpoint/2010/main" val="3213297290"/>
-      </p:ext>
-    </p:extLst>
-  </p:cSld>
-  <p:clrMapOvr>
-    <a:masterClrMapping/>
-  </p:clrMapOvr>
-</p:sld>
-</file>
-
-<file path=ppt/slides/slide7.xml><?xml version="1.0" encoding="utf-8"?>
-<p:sld xmlns:a="http://schemas.openxmlformats.org/drawingml/2006/main" xmlns:r="http://schemas.openxmlformats.org/officeDocument/2006/relationships" xmlns:p="http://schemas.openxmlformats.org/presentationml/2006/main">
-  <p:cSld>
-    <p:spTree>
-      <p:nvGrpSpPr>
-        <p:cNvPr id="1" name=""/>
-        <p:cNvGrpSpPr/>
-        <p:nvPr/>
-      </p:nvGrpSpPr>
-      <p:grpSpPr>
-        <a:xfrm>
-          <a:off x="0" y="0"/>
-          <a:ext cx="0" cy="0"/>
-          <a:chOff x="0" y="0"/>
-          <a:chExt cx="0" cy="0"/>
-        </a:xfrm>
-      </p:grpSpPr>
-      <p:sp>
-        <p:nvSpPr>
-          <p:cNvPr id="2" name="Título 1">
-            <a:extLst>
-              <a:ext uri="{FF2B5EF4-FFF2-40B4-BE49-F238E27FC236}">
-                <a16:creationId xmlns:a16="http://schemas.microsoft.com/office/drawing/2014/main" id="{6663363E-DD8B-80A4-3E3D-5582AEC2E706}"/>
-              </a:ext>
-            </a:extLst>
-          </p:cNvPr>
-          <p:cNvSpPr>
-            <a:spLocks noGrp="1"/>
-          </p:cNvSpPr>
-          <p:nvPr>
-            <p:ph type="title"/>
-          </p:nvPr>
-        </p:nvSpPr>
-        <p:spPr/>
-        <p:txBody>
-          <a:bodyPr/>
-          <a:lstStyle/>
-          <a:p>
-            <a:r>
-              <a:rPr lang="es-ES" dirty="0"/>
-              <a:t>Casos de uso en la industria.</a:t>
-            </a:r>
-            <a:endParaRPr lang="es-PE" dirty="0"/>
-          </a:p>
-        </p:txBody>
-      </p:sp>
-      <p:sp>
-        <p:nvSpPr>
-          <p:cNvPr id="3" name="Marcador de contenido 2">
-            <a:extLst>
-              <a:ext uri="{FF2B5EF4-FFF2-40B4-BE49-F238E27FC236}">
-                <a16:creationId xmlns:a16="http://schemas.microsoft.com/office/drawing/2014/main" id="{0F466CFB-EAC4-247A-F5D8-E53ADD243210}"/>
-              </a:ext>
-            </a:extLst>
-          </p:cNvPr>
-          <p:cNvSpPr>
-            <a:spLocks noGrp="1"/>
-          </p:cNvSpPr>
-          <p:nvPr>
-            <p:ph idx="1"/>
-          </p:nvPr>
-        </p:nvSpPr>
-        <p:spPr/>
-        <p:txBody>
-          <a:bodyPr/>
-          <a:lstStyle/>
-          <a:p>
-            <a:r>
-              <a:rPr lang="es-PE" dirty="0"/>
-              <a:t>Netflix</a:t>
-            </a:r>
-          </a:p>
-        </p:txBody>
-      </p:sp>
-      <p:pic>
-        <p:nvPicPr>
-          <p:cNvPr id="5" name="Imagen 4">
-            <a:extLst>
-              <a:ext uri="{FF2B5EF4-FFF2-40B4-BE49-F238E27FC236}">
-                <a16:creationId xmlns:a16="http://schemas.microsoft.com/office/drawing/2014/main" id="{8A80FB81-7E7B-ACCB-D62E-29A7C4438C6C}"/>
-              </a:ext>
-            </a:extLst>
-          </p:cNvPr>
-          <p:cNvPicPr>
-            <a:picLocks noChangeAspect="1"/>
-          </p:cNvPicPr>
-          <p:nvPr/>
-        </p:nvPicPr>
-        <p:blipFill>
-          <a:blip r:embed="rId3"/>
-          <a:stretch>
-            <a:fillRect/>
-          </a:stretch>
-        </p:blipFill>
-        <p:spPr>
-          <a:xfrm>
-            <a:off x="1109662" y="2495550"/>
-            <a:ext cx="6048375" cy="2171700"/>
-          </a:xfrm>
-          <a:prstGeom prst="rect">
-            <a:avLst/>
-          </a:prstGeom>
-        </p:spPr>
-      </p:pic>
-      <p:sp>
-        <p:nvSpPr>
-          <p:cNvPr id="6" name="CuadroTexto 5">
-            <a:extLst>
-              <a:ext uri="{FF2B5EF4-FFF2-40B4-BE49-F238E27FC236}">
-                <a16:creationId xmlns:a16="http://schemas.microsoft.com/office/drawing/2014/main" id="{3DD39CC5-5255-5A9A-C640-CDFCB54A85EB}"/>
-              </a:ext>
-            </a:extLst>
-          </p:cNvPr>
-          <p:cNvSpPr txBox="1"/>
-          <p:nvPr/>
-        </p:nvSpPr>
-        <p:spPr>
-          <a:xfrm>
-            <a:off x="838200" y="4870450"/>
-            <a:ext cx="10515600" cy="1477328"/>
-          </a:xfrm>
-          <a:prstGeom prst="rect">
-            <a:avLst/>
-          </a:prstGeom>
-          <a:noFill/>
-        </p:spPr>
-        <p:txBody>
-          <a:bodyPr wrap="square" rtlCol="0">
-            <a:spAutoFit/>
-          </a:bodyPr>
-          <a:lstStyle/>
-          <a:p>
-            <a:r>
-              <a:rPr lang="es-PE" dirty="0"/>
-              <a:t>En el 2008, la ausencia de un punto y coma en un programa, hizo caer el sitio web de Netflix, la recuperación,</a:t>
-            </a:r>
-          </a:p>
-          <a:p>
-            <a:r>
-              <a:rPr lang="es-PE" dirty="0"/>
-              <a:t>tomo varias horas. Netflix se hacia mas popular las aplicaciones monolíticas dificultaban escalar era una limitación, en 2009 Netflix movió su arquitectura de monolítica a microservicios a Diciembre del 2011 tenia cientos de microservicios en lugar de gigantescas aplicaciones monolíticas. En diciembre del 2015 Netflix ya manejaba 2 billones de peticiones a sus APIs diariamente.</a:t>
-            </a:r>
-          </a:p>
-        </p:txBody>
-      </p:sp>
-    </p:spTree>
-    <p:extLst>
-      <p:ext uri="{BB962C8B-B14F-4D97-AF65-F5344CB8AC3E}">
-        <p14:creationId xmlns:p14="http://schemas.microsoft.com/office/powerpoint/2010/main" val="3211915331"/>
       </p:ext>
     </p:extLst>
   </p:cSld>
@@ -6565,7 +6984,7 @@
           <p:cNvPr id="2" name="Título 1">
             <a:extLst>
               <a:ext uri="{FF2B5EF4-FFF2-40B4-BE49-F238E27FC236}">
-                <a16:creationId xmlns:a16="http://schemas.microsoft.com/office/drawing/2014/main" id="{5F97C273-6837-54AB-3606-9CC1F40EDDD9}"/>
+                <a16:creationId xmlns:a16="http://schemas.microsoft.com/office/drawing/2014/main" id="{6663363E-DD8B-80A4-3E3D-5582AEC2E706}"/>
               </a:ext>
             </a:extLst>
           </p:cNvPr>
@@ -6594,7 +7013,7 @@
           <p:cNvPr id="3" name="Marcador de contenido 2">
             <a:extLst>
               <a:ext uri="{FF2B5EF4-FFF2-40B4-BE49-F238E27FC236}">
-                <a16:creationId xmlns:a16="http://schemas.microsoft.com/office/drawing/2014/main" id="{A1EA95A6-75E2-E5C3-FCA1-7A7224A9FECC}"/>
+                <a16:creationId xmlns:a16="http://schemas.microsoft.com/office/drawing/2014/main" id="{0F466CFB-EAC4-247A-F5D8-E53ADD243210}"/>
               </a:ext>
             </a:extLst>
           </p:cNvPr>
@@ -6612,7 +7031,7 @@
           <a:p>
             <a:r>
               <a:rPr lang="es-PE" dirty="0"/>
-              <a:t>Amazon</a:t>
+              <a:t>Netflix</a:t>
             </a:r>
           </a:p>
         </p:txBody>
@@ -6622,7 +7041,7 @@
           <p:cNvPr id="5" name="Imagen 4">
             <a:extLst>
               <a:ext uri="{FF2B5EF4-FFF2-40B4-BE49-F238E27FC236}">
-                <a16:creationId xmlns:a16="http://schemas.microsoft.com/office/drawing/2014/main" id="{5DB625FC-F74A-CBF3-BDC0-7D87B510AB50}"/>
+                <a16:creationId xmlns:a16="http://schemas.microsoft.com/office/drawing/2014/main" id="{8A80FB81-7E7B-ACCB-D62E-29A7C4438C6C}"/>
               </a:ext>
             </a:extLst>
           </p:cNvPr>
@@ -6632,15 +7051,15 @@
           <p:nvPr/>
         </p:nvPicPr>
         <p:blipFill>
-          <a:blip r:embed="rId2"/>
+          <a:blip r:embed="rId3"/>
           <a:stretch>
             <a:fillRect/>
           </a:stretch>
         </p:blipFill>
         <p:spPr>
           <a:xfrm>
-            <a:off x="1335542" y="2267985"/>
-            <a:ext cx="4363130" cy="2235910"/>
+            <a:off x="1109662" y="2495550"/>
+            <a:ext cx="6048375" cy="2171700"/>
           </a:xfrm>
           <a:prstGeom prst="rect">
             <a:avLst/>
@@ -6652,7 +7071,7 @@
           <p:cNvPr id="6" name="CuadroTexto 5">
             <a:extLst>
               <a:ext uri="{FF2B5EF4-FFF2-40B4-BE49-F238E27FC236}">
-                <a16:creationId xmlns:a16="http://schemas.microsoft.com/office/drawing/2014/main" id="{12753A42-5CDD-F1F2-8458-4C7CA79A508B}"/>
+                <a16:creationId xmlns:a16="http://schemas.microsoft.com/office/drawing/2014/main" id="{3DD39CC5-5255-5A9A-C640-CDFCB54A85EB}"/>
               </a:ext>
             </a:extLst>
           </p:cNvPr>
@@ -6661,8 +7080,8 @@
         </p:nvSpPr>
         <p:spPr>
           <a:xfrm>
-            <a:off x="838200" y="4557574"/>
-            <a:ext cx="11087100" cy="1754326"/>
+            <a:off x="838200" y="4870450"/>
+            <a:ext cx="10515600" cy="1477328"/>
           </a:xfrm>
           <a:prstGeom prst="rect">
             <a:avLst/>
@@ -6676,57 +7095,22 @@
           <a:lstStyle/>
           <a:p>
             <a:r>
-              <a:rPr lang="es-ES" dirty="0"/>
-              <a:t>En sus inicios, Amazon tenía una aplicación monolítica que dificultaba el desarrollo y despliegue de nuevas funcionalidades. Comenzaron a dividir la aplicación en servicios pequeños y autónomos, cada uno con una responsabilidad clara. Adoptaron el principio de "</a:t>
-            </a:r>
-            <a:r>
-              <a:rPr lang="es-ES" b="1" dirty="0" err="1"/>
-              <a:t>You</a:t>
-            </a:r>
-            <a:r>
-              <a:rPr lang="es-ES" b="1" dirty="0"/>
-              <a:t> build </a:t>
-            </a:r>
-            <a:r>
-              <a:rPr lang="es-ES" b="1" dirty="0" err="1"/>
-              <a:t>it</a:t>
-            </a:r>
-            <a:r>
-              <a:rPr lang="es-ES" b="1" dirty="0"/>
-              <a:t>, </a:t>
-            </a:r>
-            <a:r>
-              <a:rPr lang="es-ES" b="1" dirty="0" err="1"/>
-              <a:t>you</a:t>
-            </a:r>
-            <a:r>
-              <a:rPr lang="es-ES" b="1" dirty="0"/>
-              <a:t> run </a:t>
-            </a:r>
-            <a:r>
-              <a:rPr lang="es-ES" b="1" dirty="0" err="1"/>
-              <a:t>it</a:t>
-            </a:r>
-            <a:r>
-              <a:rPr lang="es-ES" dirty="0"/>
-              <a:t>": los mismos equipos que desarrollan un servicio son responsables de operarlo en producción. En eventos como </a:t>
-            </a:r>
-            <a:r>
-              <a:rPr lang="es-ES" dirty="0" err="1"/>
-              <a:t>re:Invent</a:t>
-            </a:r>
-            <a:r>
-              <a:rPr lang="es-ES" dirty="0"/>
-              <a:t>, se ha mencionado que servicios como Amazon S3 reciben trillones de peticiones mensuales. En 2021, por ejemplo, Lambda ejecutaba billones de invocaciones al mes, lo que da un promedio de más de 10 mil millones por día, solo en ese servicio.</a:t>
-            </a:r>
-            <a:endParaRPr lang="es-PE" dirty="0"/>
+              <a:rPr lang="es-PE" dirty="0"/>
+              <a:t>En el 2008, la ausencia de un punto y coma en un programa, hizo caer el sitio web de Netflix, la recuperación,</a:t>
+            </a:r>
+          </a:p>
+          <a:p>
+            <a:r>
+              <a:rPr lang="es-PE" dirty="0"/>
+              <a:t>tomo varias horas. Netflix se hacia mas popular las aplicaciones monolíticas dificultaban escalar era una limitación, en 2009 Netflix movió su arquitectura de monolítica a microservicios a Diciembre del 2011 tenia cientos de microservicios en lugar de gigantescas aplicaciones monolíticas. En diciembre del 2015 Netflix ya manejaba 2 billones de peticiones a sus APIs diariamente.</a:t>
+            </a:r>
           </a:p>
         </p:txBody>
       </p:sp>
     </p:spTree>
     <p:extLst>
       <p:ext uri="{BB962C8B-B14F-4D97-AF65-F5344CB8AC3E}">
-        <p14:creationId xmlns:p14="http://schemas.microsoft.com/office/powerpoint/2010/main" val="922073691"/>
+        <p14:creationId xmlns:p14="http://schemas.microsoft.com/office/powerpoint/2010/main" val="3211915331"/>
       </p:ext>
     </p:extLst>
   </p:cSld>
@@ -6758,7 +7142,7 @@
           <p:cNvPr id="2" name="Título 1">
             <a:extLst>
               <a:ext uri="{FF2B5EF4-FFF2-40B4-BE49-F238E27FC236}">
-                <a16:creationId xmlns:a16="http://schemas.microsoft.com/office/drawing/2014/main" id="{1C7D528B-FD63-7ED1-AB19-727EB637B545}"/>
+                <a16:creationId xmlns:a16="http://schemas.microsoft.com/office/drawing/2014/main" id="{5F97C273-6837-54AB-3606-9CC1F40EDDD9}"/>
               </a:ext>
             </a:extLst>
           </p:cNvPr>
@@ -6775,67 +7159,143 @@
           <a:lstStyle/>
           <a:p>
             <a:r>
+              <a:rPr lang="es-ES" dirty="0"/>
+              <a:t>Casos de uso en la industria.</a:t>
+            </a:r>
+            <a:endParaRPr lang="es-PE" dirty="0"/>
+          </a:p>
+        </p:txBody>
+      </p:sp>
+      <p:sp>
+        <p:nvSpPr>
+          <p:cNvPr id="3" name="Marcador de contenido 2">
+            <a:extLst>
+              <a:ext uri="{FF2B5EF4-FFF2-40B4-BE49-F238E27FC236}">
+                <a16:creationId xmlns:a16="http://schemas.microsoft.com/office/drawing/2014/main" id="{A1EA95A6-75E2-E5C3-FCA1-7A7224A9FECC}"/>
+              </a:ext>
+            </a:extLst>
+          </p:cNvPr>
+          <p:cNvSpPr>
+            <a:spLocks noGrp="1"/>
+          </p:cNvSpPr>
+          <p:nvPr>
+            <p:ph idx="1"/>
+          </p:nvPr>
+        </p:nvSpPr>
+        <p:spPr/>
+        <p:txBody>
+          <a:bodyPr/>
+          <a:lstStyle/>
+          <a:p>
+            <a:r>
               <a:rPr lang="es-PE" dirty="0"/>
-              <a:t>Cuestionario </a:t>
-            </a:r>
-          </a:p>
-        </p:txBody>
-      </p:sp>
-      <p:sp>
-        <p:nvSpPr>
-          <p:cNvPr id="3" name="Marcador de contenido 2">
-            <a:extLst>
-              <a:ext uri="{FF2B5EF4-FFF2-40B4-BE49-F238E27FC236}">
-                <a16:creationId xmlns:a16="http://schemas.microsoft.com/office/drawing/2014/main" id="{17FE2F32-9880-CB9B-0D35-D6690C3F2858}"/>
-              </a:ext>
-            </a:extLst>
-          </p:cNvPr>
-          <p:cNvSpPr>
-            <a:spLocks noGrp="1"/>
-          </p:cNvSpPr>
-          <p:nvPr>
-            <p:ph idx="1"/>
-          </p:nvPr>
-        </p:nvSpPr>
-        <p:spPr/>
-        <p:txBody>
-          <a:bodyPr/>
-          <a:lstStyle/>
-          <a:p>
-            <a:pPr>
-              <a:buFont typeface="Wingdings" panose="05000000000000000000" pitchFamily="2" charset="2"/>
-              <a:buChar char="q"/>
-            </a:pPr>
-            <a:r>
-              <a:rPr lang="es-PE" dirty="0"/>
-              <a:t> ¿Que es CI/CD? Describe una buena practica</a:t>
-            </a:r>
-          </a:p>
-          <a:p>
-            <a:pPr>
-              <a:buFont typeface="Wingdings" panose="05000000000000000000" pitchFamily="2" charset="2"/>
-              <a:buChar char="q"/>
-            </a:pPr>
-            <a:r>
-              <a:rPr lang="es-PE" dirty="0"/>
-              <a:t>¿Qué otro beneficio podrías anotar en la adopción de los microservicios?</a:t>
-            </a:r>
-          </a:p>
-          <a:p>
-            <a:pPr>
-              <a:buFont typeface="Wingdings" panose="05000000000000000000" pitchFamily="2" charset="2"/>
-              <a:buChar char="q"/>
-            </a:pPr>
-            <a:r>
-              <a:rPr lang="es-PE" dirty="0"/>
-              <a:t>¿Cuándo seria conveniente aplicar el patrón monolítico para construir un aplicación?</a:t>
-            </a:r>
-          </a:p>
-          <a:p>
-            <a:pPr>
-              <a:buFont typeface="Wingdings" panose="05000000000000000000" pitchFamily="2" charset="2"/>
-              <a:buChar char="q"/>
-            </a:pPr>
+              <a:t>Amazon</a:t>
+            </a:r>
+          </a:p>
+        </p:txBody>
+      </p:sp>
+      <p:pic>
+        <p:nvPicPr>
+          <p:cNvPr id="5" name="Imagen 4">
+            <a:extLst>
+              <a:ext uri="{FF2B5EF4-FFF2-40B4-BE49-F238E27FC236}">
+                <a16:creationId xmlns:a16="http://schemas.microsoft.com/office/drawing/2014/main" id="{5DB625FC-F74A-CBF3-BDC0-7D87B510AB50}"/>
+              </a:ext>
+            </a:extLst>
+          </p:cNvPr>
+          <p:cNvPicPr>
+            <a:picLocks noChangeAspect="1"/>
+          </p:cNvPicPr>
+          <p:nvPr/>
+        </p:nvPicPr>
+        <p:blipFill>
+          <a:blip r:embed="rId2"/>
+          <a:stretch>
+            <a:fillRect/>
+          </a:stretch>
+        </p:blipFill>
+        <p:spPr>
+          <a:xfrm>
+            <a:off x="1335542" y="2267985"/>
+            <a:ext cx="4363130" cy="2235910"/>
+          </a:xfrm>
+          <a:prstGeom prst="rect">
+            <a:avLst/>
+          </a:prstGeom>
+        </p:spPr>
+      </p:pic>
+      <p:sp>
+        <p:nvSpPr>
+          <p:cNvPr id="6" name="CuadroTexto 5">
+            <a:extLst>
+              <a:ext uri="{FF2B5EF4-FFF2-40B4-BE49-F238E27FC236}">
+                <a16:creationId xmlns:a16="http://schemas.microsoft.com/office/drawing/2014/main" id="{12753A42-5CDD-F1F2-8458-4C7CA79A508B}"/>
+              </a:ext>
+            </a:extLst>
+          </p:cNvPr>
+          <p:cNvSpPr txBox="1"/>
+          <p:nvPr/>
+        </p:nvSpPr>
+        <p:spPr>
+          <a:xfrm>
+            <a:off x="838200" y="4557574"/>
+            <a:ext cx="11087100" cy="1754326"/>
+          </a:xfrm>
+          <a:prstGeom prst="rect">
+            <a:avLst/>
+          </a:prstGeom>
+          <a:noFill/>
+        </p:spPr>
+        <p:txBody>
+          <a:bodyPr wrap="square" rtlCol="0">
+            <a:spAutoFit/>
+          </a:bodyPr>
+          <a:lstStyle/>
+          <a:p>
+            <a:r>
+              <a:rPr lang="es-ES" dirty="0"/>
+              <a:t>En sus inicios, Amazon tenía una aplicación monolítica que dificultaba el desarrollo y despliegue de nuevas funcionalidades. Comenzaron a dividir la aplicación en servicios pequeños y autónomos, cada uno con una responsabilidad clara. Adoptaron el principio de "</a:t>
+            </a:r>
+            <a:r>
+              <a:rPr lang="es-ES" b="1" dirty="0" err="1"/>
+              <a:t>You</a:t>
+            </a:r>
+            <a:r>
+              <a:rPr lang="es-ES" b="1" dirty="0"/>
+              <a:t> build </a:t>
+            </a:r>
+            <a:r>
+              <a:rPr lang="es-ES" b="1" dirty="0" err="1"/>
+              <a:t>it</a:t>
+            </a:r>
+            <a:r>
+              <a:rPr lang="es-ES" b="1" dirty="0"/>
+              <a:t>, </a:t>
+            </a:r>
+            <a:r>
+              <a:rPr lang="es-ES" b="1" dirty="0" err="1"/>
+              <a:t>you</a:t>
+            </a:r>
+            <a:r>
+              <a:rPr lang="es-ES" b="1" dirty="0"/>
+              <a:t> run </a:t>
+            </a:r>
+            <a:r>
+              <a:rPr lang="es-ES" b="1" dirty="0" err="1"/>
+              <a:t>it</a:t>
+            </a:r>
+            <a:r>
+              <a:rPr lang="es-ES" dirty="0"/>
+              <a:t>": los mismos equipos que desarrollan un servicio son responsables de operarlo en producción. En eventos como </a:t>
+            </a:r>
+            <a:r>
+              <a:rPr lang="es-ES" dirty="0" err="1"/>
+              <a:t>re:Invent</a:t>
+            </a:r>
+            <a:r>
+              <a:rPr lang="es-ES" dirty="0"/>
+              <a:t>, se ha mencionado que servicios como Amazon S3 reciben trillones de peticiones mensuales. En 2021, por ejemplo, Lambda ejecutaba billones de invocaciones al mes, lo que da un promedio de más de 10 mil millones por día, solo en ese servicio.</a:t>
+            </a:r>
             <a:endParaRPr lang="es-PE" dirty="0"/>
           </a:p>
         </p:txBody>
@@ -6843,7 +7303,7 @@
     </p:spTree>
     <p:extLst>
       <p:ext uri="{BB962C8B-B14F-4D97-AF65-F5344CB8AC3E}">
-        <p14:creationId xmlns:p14="http://schemas.microsoft.com/office/powerpoint/2010/main" val="1737290613"/>
+        <p14:creationId xmlns:p14="http://schemas.microsoft.com/office/powerpoint/2010/main" val="922073691"/>
       </p:ext>
     </p:extLst>
   </p:cSld>
